--- a/docs/Slides/CIS399Wk2Day3b-Menu+Settings.pptx
+++ b/docs/Slides/CIS399Wk2Day3b-Menu+Settings.pptx
@@ -12,8 +12,8 @@
     <p:sldId id="268" r:id="rId3"/>
     <p:sldId id="283" r:id="rId4"/>
     <p:sldId id="270" r:id="rId5"/>
-    <p:sldId id="271" r:id="rId6"/>
-    <p:sldId id="272" r:id="rId7"/>
+    <p:sldId id="272" r:id="rId6"/>
+    <p:sldId id="271" r:id="rId7"/>
     <p:sldId id="273" r:id="rId8"/>
     <p:sldId id="287" r:id="rId9"/>
     <p:sldId id="314" r:id="rId10"/>
@@ -248,7 +248,7 @@
           <a:p>
             <a:fld id="{1FC32AA1-1225-9048-80C3-2B6F58548154}" type="datetimeFigureOut">
               <a:rPr lang="en-US" smtClean="0"/>
-              <a:t>7/3/18</a:t>
+              <a:t>7/3/19</a:t>
             </a:fld>
             <a:endParaRPr lang="en-US"/>
           </a:p>
@@ -1261,7 +1261,7 @@
           <a:p>
             <a:fld id="{12110144-19AD-4D4E-902D-E18AF93089D3}" type="datetimeFigureOut">
               <a:rPr lang="en-US" smtClean="0"/>
-              <a:t>7/3/18</a:t>
+              <a:t>7/3/19</a:t>
             </a:fld>
             <a:endParaRPr lang="en-US"/>
           </a:p>
@@ -1429,7 +1429,7 @@
           <a:p>
             <a:fld id="{12110144-19AD-4D4E-902D-E18AF93089D3}" type="datetimeFigureOut">
               <a:rPr lang="en-US" smtClean="0"/>
-              <a:t>7/3/18</a:t>
+              <a:t>7/3/19</a:t>
             </a:fld>
             <a:endParaRPr lang="en-US"/>
           </a:p>
@@ -1607,7 +1607,7 @@
           <a:p>
             <a:fld id="{12110144-19AD-4D4E-902D-E18AF93089D3}" type="datetimeFigureOut">
               <a:rPr lang="en-US" smtClean="0"/>
-              <a:t>7/3/18</a:t>
+              <a:t>7/3/19</a:t>
             </a:fld>
             <a:endParaRPr lang="en-US"/>
           </a:p>
@@ -1775,7 +1775,7 @@
           <a:p>
             <a:fld id="{12110144-19AD-4D4E-902D-E18AF93089D3}" type="datetimeFigureOut">
               <a:rPr lang="en-US" smtClean="0"/>
-              <a:t>7/3/18</a:t>
+              <a:t>7/3/19</a:t>
             </a:fld>
             <a:endParaRPr lang="en-US"/>
           </a:p>
@@ -2020,7 +2020,7 @@
           <a:p>
             <a:fld id="{12110144-19AD-4D4E-902D-E18AF93089D3}" type="datetimeFigureOut">
               <a:rPr lang="en-US" smtClean="0"/>
-              <a:t>7/3/18</a:t>
+              <a:t>7/3/19</a:t>
             </a:fld>
             <a:endParaRPr lang="en-US"/>
           </a:p>
@@ -2305,7 +2305,7 @@
           <a:p>
             <a:fld id="{12110144-19AD-4D4E-902D-E18AF93089D3}" type="datetimeFigureOut">
               <a:rPr lang="en-US" smtClean="0"/>
-              <a:t>7/3/18</a:t>
+              <a:t>7/3/19</a:t>
             </a:fld>
             <a:endParaRPr lang="en-US"/>
           </a:p>
@@ -2724,7 +2724,7 @@
           <a:p>
             <a:fld id="{12110144-19AD-4D4E-902D-E18AF93089D3}" type="datetimeFigureOut">
               <a:rPr lang="en-US" smtClean="0"/>
-              <a:t>7/3/18</a:t>
+              <a:t>7/3/19</a:t>
             </a:fld>
             <a:endParaRPr lang="en-US"/>
           </a:p>
@@ -2841,7 +2841,7 @@
           <a:p>
             <a:fld id="{12110144-19AD-4D4E-902D-E18AF93089D3}" type="datetimeFigureOut">
               <a:rPr lang="en-US" smtClean="0"/>
-              <a:t>7/3/18</a:t>
+              <a:t>7/3/19</a:t>
             </a:fld>
             <a:endParaRPr lang="en-US"/>
           </a:p>
@@ -2936,7 +2936,7 @@
           <a:p>
             <a:fld id="{12110144-19AD-4D4E-902D-E18AF93089D3}" type="datetimeFigureOut">
               <a:rPr lang="en-US" smtClean="0"/>
-              <a:t>7/3/18</a:t>
+              <a:t>7/3/19</a:t>
             </a:fld>
             <a:endParaRPr lang="en-US"/>
           </a:p>
@@ -3211,7 +3211,7 @@
           <a:p>
             <a:fld id="{12110144-19AD-4D4E-902D-E18AF93089D3}" type="datetimeFigureOut">
               <a:rPr lang="en-US" smtClean="0"/>
-              <a:t>7/3/18</a:t>
+              <a:t>7/3/19</a:t>
             </a:fld>
             <a:endParaRPr lang="en-US"/>
           </a:p>
@@ -3463,7 +3463,7 @@
           <a:p>
             <a:fld id="{12110144-19AD-4D4E-902D-E18AF93089D3}" type="datetimeFigureOut">
               <a:rPr lang="en-US" smtClean="0"/>
-              <a:t>7/3/18</a:t>
+              <a:t>7/3/19</a:t>
             </a:fld>
             <a:endParaRPr lang="en-US"/>
           </a:p>
@@ -3692,7 +3692,7 @@
           <a:p>
             <a:fld id="{12110144-19AD-4D4E-902D-E18AF93089D3}" type="datetimeFigureOut">
               <a:rPr lang="en-US" smtClean="0"/>
-              <a:t>7/3/18</a:t>
+              <a:t>7/3/19</a:t>
             </a:fld>
             <a:endParaRPr lang="en-US"/>
           </a:p>
@@ -4296,20 +4296,20 @@
           <p:nvPr>
             <p:extLst>
               <p:ext uri="{D42A27DB-BD31-4B8C-83A1-F6EECF244321}">
-                <p14:modId xmlns:p14="http://schemas.microsoft.com/office/powerpoint/2010/main" val="3372544762"/>
+                <p14:modId xmlns:p14="http://schemas.microsoft.com/office/powerpoint/2010/main" val="239275979"/>
               </p:ext>
             </p:extLst>
           </p:nvPr>
         </p:nvGraphicFramePr>
         <p:xfrm>
-          <a:off x="914400" y="688975"/>
+          <a:off x="914400" y="697213"/>
           <a:ext cx="6794500" cy="3608388"/>
         </p:xfrm>
         <a:graphic>
           <a:graphicData uri="http://schemas.openxmlformats.org/presentationml/2006/ole">
             <mc:AlternateContent xmlns:mc="http://schemas.openxmlformats.org/markup-compatibility/2006">
               <mc:Choice xmlns:v="urn:schemas-microsoft-com:vml" Requires="v">
-                <p:oleObj spid="_x0000_s3116" name="Document" r:id="rId4" imgW="6864202" imgH="3644710" progId="Word.Document.12">
+                <p:oleObj spid="_x0000_s3119" name="Document" r:id="rId4" imgW="6864202" imgH="3644710" progId="Word.Document.12">
                   <p:embed/>
                 </p:oleObj>
               </mc:Choice>
@@ -4330,7 +4330,7 @@
                     </p:blipFill>
                     <p:spPr>
                       <a:xfrm>
-                        <a:off x="914400" y="688975"/>
+                        <a:off x="914400" y="697213"/>
                         <a:ext cx="6794500" cy="3608388"/>
                       </a:xfrm>
                       <a:prstGeom prst="rect">
@@ -4870,7 +4870,7 @@
           <a:graphicData uri="http://schemas.openxmlformats.org/presentationml/2006/ole">
             <mc:AlternateContent xmlns:mc="http://schemas.openxmlformats.org/markup-compatibility/2006">
               <mc:Choice xmlns:v="urn:schemas-microsoft-com:vml" Requires="v">
-                <p:oleObj spid="_x0000_s6185" name="Document" r:id="rId3" imgW="6864202" imgH="2647457" progId="Word.Document.12">
+                <p:oleObj spid="_x0000_s6187" name="Document" r:id="rId3" imgW="6864202" imgH="2647457" progId="Word.Document.12">
                   <p:embed/>
                 </p:oleObj>
               </mc:Choice>
@@ -5166,20 +5166,20 @@
           <p:nvPr>
             <p:extLst>
               <p:ext uri="{D42A27DB-BD31-4B8C-83A1-F6EECF244321}">
-                <p14:modId xmlns:p14="http://schemas.microsoft.com/office/powerpoint/2010/main" val="2200015690"/>
+                <p14:modId xmlns:p14="http://schemas.microsoft.com/office/powerpoint/2010/main" val="3722077407"/>
               </p:ext>
             </p:extLst>
           </p:nvPr>
         </p:nvGraphicFramePr>
         <p:xfrm>
-          <a:off x="1011704" y="708119"/>
+          <a:off x="1052893" y="699881"/>
           <a:ext cx="6858000" cy="3081337"/>
         </p:xfrm>
         <a:graphic>
           <a:graphicData uri="http://schemas.openxmlformats.org/presentationml/2006/ole">
             <mc:AlternateContent xmlns:mc="http://schemas.openxmlformats.org/markup-compatibility/2006">
               <mc:Choice xmlns:v="urn:schemas-microsoft-com:vml" Requires="v">
-                <p:oleObj spid="_x0000_s7209" name="Document" r:id="rId3" imgW="6858000" imgH="3086100" progId="Word.Document.12">
+                <p:oleObj spid="_x0000_s7212" name="Document" r:id="rId3" imgW="6858000" imgH="3086100" progId="Word.Document.12">
                   <p:embed/>
                 </p:oleObj>
               </mc:Choice>
@@ -5200,7 +5200,7 @@
                     </p:blipFill>
                     <p:spPr>
                       <a:xfrm>
-                        <a:off x="1011704" y="708119"/>
+                        <a:off x="1052893" y="699881"/>
                         <a:ext cx="6858000" cy="3081337"/>
                       </a:xfrm>
                       <a:prstGeom prst="rect">
@@ -5376,7 +5376,7 @@
           <a:graphicData uri="http://schemas.openxmlformats.org/presentationml/2006/ole">
             <mc:AlternateContent xmlns:mc="http://schemas.openxmlformats.org/markup-compatibility/2006">
               <mc:Choice xmlns:v="urn:schemas-microsoft-com:vml" Requires="v">
-                <p:oleObj spid="_x0000_s8233" name="Document" r:id="rId3" imgW="6858000" imgH="5194300" progId="Word.Document.12">
+                <p:oleObj spid="_x0000_s8235" name="Document" r:id="rId3" imgW="6858000" imgH="5194300" progId="Word.Document.12">
                   <p:embed/>
                 </p:oleObj>
               </mc:Choice>
@@ -5838,7 +5838,7 @@
           <p:nvPr>
             <p:extLst>
               <p:ext uri="{D42A27DB-BD31-4B8C-83A1-F6EECF244321}">
-                <p14:modId xmlns:p14="http://schemas.microsoft.com/office/powerpoint/2010/main" val="1769256332"/>
+                <p14:modId xmlns:p14="http://schemas.microsoft.com/office/powerpoint/2010/main" val="612182592"/>
               </p:ext>
             </p:extLst>
           </p:nvPr>
@@ -5851,7 +5851,7 @@
           <a:graphicData uri="http://schemas.openxmlformats.org/presentationml/2006/ole">
             <mc:AlternateContent xmlns:mc="http://schemas.openxmlformats.org/markup-compatibility/2006">
               <mc:Choice xmlns:v="urn:schemas-microsoft-com:vml" Requires="v">
-                <p:oleObj spid="_x0000_s9257" name="Document" r:id="rId3" imgW="6858000" imgH="3797300" progId="Word.Document.12">
+                <p:oleObj spid="_x0000_s9260" name="Document" r:id="rId3" imgW="6858000" imgH="3797300" progId="Word.Document.12">
                   <p:embed/>
                 </p:oleObj>
               </mc:Choice>
@@ -6932,7 +6932,7 @@
           <a:graphicData uri="http://schemas.openxmlformats.org/presentationml/2006/ole">
             <mc:AlternateContent xmlns:mc="http://schemas.openxmlformats.org/markup-compatibility/2006">
               <mc:Choice xmlns:v="urn:schemas-microsoft-com:vml" Requires="v">
-                <p:oleObj spid="_x0000_s10281" name="Document" r:id="rId3" imgW="7353300" imgH="5181600" progId="Word.Document.12">
+                <p:oleObj spid="_x0000_s10283" name="Document" r:id="rId3" imgW="7353300" imgH="5181600" progId="Word.Document.12">
                   <p:embed/>
                 </p:oleObj>
               </mc:Choice>
@@ -10170,7 +10170,7 @@
           <a:graphicData uri="http://schemas.openxmlformats.org/presentationml/2006/ole">
             <mc:AlternateContent xmlns:mc="http://schemas.openxmlformats.org/markup-compatibility/2006">
               <mc:Choice xmlns:v="urn:schemas-microsoft-com:vml" Requires="v">
-                <p:oleObj spid="_x0000_s11303" name="Document" r:id="rId4" imgW="6864202" imgH="5210639" progId="Word.Document.12">
+                <p:oleObj spid="_x0000_s11305" name="Document" r:id="rId4" imgW="6864202" imgH="5210639" progId="Word.Document.12">
                   <p:embed/>
                 </p:oleObj>
               </mc:Choice>
@@ -14883,7 +14883,7 @@
             <a:pPr lvl="1"/>
             <a:r>
               <a:rPr lang="en-US" dirty="0"/>
-              <a:t>The primary collection of menu items for an activity. It's the place for actions that affect the entire app</a:t>
+              <a:t>The primary collection of menu items for an activity. It's the place for actions that affect the entire app.</a:t>
             </a:r>
           </a:p>
           <a:p>
@@ -14896,14 +14896,14 @@
             <a:pPr lvl="1"/>
             <a:r>
               <a:rPr lang="en-US" dirty="0"/>
-              <a:t>A context menu is a floating menu that appears when the user performs a long-click on an element</a:t>
+              <a:t>A context menu is a floating menu that appears when the user performs a long-click (long press) on an element.</a:t>
             </a:r>
           </a:p>
           <a:p>
             <a:pPr lvl="1"/>
             <a:r>
               <a:rPr lang="en-US" dirty="0"/>
-              <a:t>Contextual action mode displays action items that affect the selected content in a bar at the top of the screen</a:t>
+              <a:t>Contextual action mode displays action items that affect the selected content in a bar at the top of the screen.</a:t>
             </a:r>
           </a:p>
           <a:p>
@@ -14916,7 +14916,7 @@
             <a:pPr lvl="1"/>
             <a:r>
               <a:rPr lang="en-US" dirty="0"/>
-              <a:t>Displays a list of items in a vertical list that's anchored to the view that invoked the menu</a:t>
+              <a:t>Displays a list of items in a vertical list that's anchored to the view that invoked the menu.</a:t>
             </a:r>
           </a:p>
         </p:txBody>
@@ -15689,682 +15689,6 @@
       </p:grpSpPr>
       <p:sp>
         <p:nvSpPr>
-          <p:cNvPr id="2" name="Title 1"/>
-          <p:cNvSpPr>
-            <a:spLocks noGrp="1"/>
-          </p:cNvSpPr>
-          <p:nvPr>
-            <p:ph type="title"/>
-          </p:nvPr>
-        </p:nvSpPr>
-        <p:spPr>
-          <a:xfrm>
-            <a:off x="457200" y="274638"/>
-            <a:ext cx="8229600" cy="828575"/>
-          </a:xfrm>
-        </p:spPr>
-        <p:txBody>
-          <a:bodyPr>
-            <a:normAutofit/>
-          </a:bodyPr>
-          <a:lstStyle/>
-          <a:p>
-            <a:r>
-              <a:rPr lang="en-US" sz="4000" b="1" dirty="0">
-                <a:solidFill>
-                  <a:srgbClr val="2D2DB9"/>
-                </a:solidFill>
-              </a:rPr>
-              <a:t>Options Menu</a:t>
-            </a:r>
-          </a:p>
-        </p:txBody>
-      </p:sp>
-      <p:sp>
-        <p:nvSpPr>
-          <p:cNvPr id="3" name="Content Placeholder 2"/>
-          <p:cNvSpPr>
-            <a:spLocks noGrp="1"/>
-          </p:cNvSpPr>
-          <p:nvPr>
-            <p:ph idx="1"/>
-          </p:nvPr>
-        </p:nvSpPr>
-        <p:spPr>
-          <a:xfrm>
-            <a:off x="457200" y="1251544"/>
-            <a:ext cx="8229600" cy="4874619"/>
-          </a:xfrm>
-        </p:spPr>
-        <p:txBody>
-          <a:bodyPr>
-            <a:normAutofit/>
-          </a:bodyPr>
-          <a:lstStyle/>
-          <a:p>
-            <a:pPr marL="0" indent="0">
-              <a:buNone/>
-            </a:pPr>
-            <a:r>
-              <a:rPr lang="en-US" dirty="0"/>
-              <a:t>Options menu displayed from an action overflow icon– contains two action items</a:t>
-            </a:r>
-          </a:p>
-          <a:p>
-            <a:pPr marL="0" indent="0">
-              <a:buNone/>
-            </a:pPr>
-            <a:endParaRPr lang="en-US" dirty="0"/>
-          </a:p>
-          <a:p>
-            <a:pPr marL="0" indent="0">
-              <a:buNone/>
-            </a:pPr>
-            <a:endParaRPr lang="en-US" dirty="0"/>
-          </a:p>
-          <a:p>
-            <a:pPr marL="0" indent="0">
-              <a:buNone/>
-            </a:pPr>
-            <a:endParaRPr lang="en-US" dirty="0"/>
-          </a:p>
-          <a:p>
-            <a:pPr marL="0" indent="0">
-              <a:buNone/>
-            </a:pPr>
-            <a:endParaRPr lang="en-US" dirty="0"/>
-          </a:p>
-          <a:p>
-            <a:pPr marL="0" indent="0">
-              <a:buNone/>
-            </a:pPr>
-            <a:endParaRPr lang="en-US" dirty="0"/>
-          </a:p>
-          <a:p>
-            <a:pPr marL="0" indent="0">
-              <a:buNone/>
-            </a:pPr>
-            <a:endParaRPr lang="en-US" dirty="0"/>
-          </a:p>
-        </p:txBody>
-      </p:sp>
-      <p:pic>
-        <p:nvPicPr>
-          <p:cNvPr id="4" name="Picture 3"/>
-          <p:cNvPicPr>
-            <a:picLocks noChangeAspect="1"/>
-          </p:cNvPicPr>
-          <p:nvPr/>
-        </p:nvPicPr>
-        <p:blipFill>
-          <a:blip r:embed="rId2">
-            <a:extLst>
-              <a:ext uri="{28A0092B-C50C-407E-A947-70E740481C1C}">
-                <a14:useLocalDpi xmlns:a14="http://schemas.microsoft.com/office/drawing/2010/main" val="0"/>
-              </a:ext>
-            </a:extLst>
-          </a:blip>
-          <a:stretch>
-            <a:fillRect/>
-          </a:stretch>
-        </p:blipFill>
-        <p:spPr>
-          <a:xfrm>
-            <a:off x="2883199" y="2797429"/>
-            <a:ext cx="3291840" cy="2303780"/>
-          </a:xfrm>
-          <a:prstGeom prst="rect">
-            <a:avLst/>
-          </a:prstGeom>
-        </p:spPr>
-      </p:pic>
-      <p:sp>
-        <p:nvSpPr>
-          <p:cNvPr id="5" name="Date Placeholder 1"/>
-          <p:cNvSpPr>
-            <a:spLocks noGrp="1"/>
-          </p:cNvSpPr>
-          <p:nvPr/>
-        </p:nvSpPr>
-        <p:spPr bwMode="auto">
-          <a:xfrm>
-            <a:off x="130708" y="6322617"/>
-            <a:ext cx="1981200" cy="457200"/>
-          </a:xfrm>
-          <a:prstGeom prst="rect">
-            <a:avLst/>
-          </a:prstGeom>
-          <a:noFill/>
-          <a:ln>
-            <a:miter lim="800000"/>
-            <a:headEnd/>
-            <a:tailEnd/>
-          </a:ln>
-        </p:spPr>
-        <p:txBody>
-          <a:bodyPr vert="horz" wrap="square" lIns="91440" tIns="45720" rIns="91440" bIns="45720" numCol="1" anchor="b" anchorCtr="0" compatLnSpc="1">
-            <a:prstTxWarp prst="textNoShape">
-              <a:avLst/>
-            </a:prstTxWarp>
-          </a:bodyPr>
-          <a:lstStyle>
-            <a:defPPr>
-              <a:defRPr lang="en-US"/>
-            </a:defPPr>
-            <a:lvl1pPr algn="l" rtl="0" eaLnBrk="0" fontAlgn="base" hangingPunct="0">
-              <a:spcBef>
-                <a:spcPct val="0"/>
-              </a:spcBef>
-              <a:spcAft>
-                <a:spcPct val="0"/>
-              </a:spcAft>
-              <a:defRPr sz="900" kern="1200">
-                <a:solidFill>
-                  <a:schemeClr val="tx1"/>
-                </a:solidFill>
-                <a:latin typeface="Arial Narrow" pitchFamily="34" charset="0"/>
-                <a:ea typeface="+mn-ea"/>
-                <a:cs typeface="+mn-cs"/>
-              </a:defRPr>
-            </a:lvl1pPr>
-            <a:lvl2pPr marL="457200" algn="l" rtl="0" eaLnBrk="0" fontAlgn="base" hangingPunct="0">
-              <a:spcBef>
-                <a:spcPct val="0"/>
-              </a:spcBef>
-              <a:spcAft>
-                <a:spcPct val="0"/>
-              </a:spcAft>
-              <a:defRPr sz="2400" kern="1200">
-                <a:solidFill>
-                  <a:schemeClr val="tx1"/>
-                </a:solidFill>
-                <a:latin typeface="Times New Roman"/>
-                <a:ea typeface="+mn-ea"/>
-                <a:cs typeface="+mn-cs"/>
-              </a:defRPr>
-            </a:lvl2pPr>
-            <a:lvl3pPr marL="914400" algn="l" rtl="0" eaLnBrk="0" fontAlgn="base" hangingPunct="0">
-              <a:spcBef>
-                <a:spcPct val="0"/>
-              </a:spcBef>
-              <a:spcAft>
-                <a:spcPct val="0"/>
-              </a:spcAft>
-              <a:defRPr sz="2400" kern="1200">
-                <a:solidFill>
-                  <a:schemeClr val="tx1"/>
-                </a:solidFill>
-                <a:latin typeface="Times New Roman"/>
-                <a:ea typeface="+mn-ea"/>
-                <a:cs typeface="+mn-cs"/>
-              </a:defRPr>
-            </a:lvl3pPr>
-            <a:lvl4pPr marL="1371600" algn="l" rtl="0" eaLnBrk="0" fontAlgn="base" hangingPunct="0">
-              <a:spcBef>
-                <a:spcPct val="0"/>
-              </a:spcBef>
-              <a:spcAft>
-                <a:spcPct val="0"/>
-              </a:spcAft>
-              <a:defRPr sz="2400" kern="1200">
-                <a:solidFill>
-                  <a:schemeClr val="tx1"/>
-                </a:solidFill>
-                <a:latin typeface="Times New Roman"/>
-                <a:ea typeface="+mn-ea"/>
-                <a:cs typeface="+mn-cs"/>
-              </a:defRPr>
-            </a:lvl4pPr>
-            <a:lvl5pPr marL="1828800" algn="l" rtl="0" eaLnBrk="0" fontAlgn="base" hangingPunct="0">
-              <a:spcBef>
-                <a:spcPct val="0"/>
-              </a:spcBef>
-              <a:spcAft>
-                <a:spcPct val="0"/>
-              </a:spcAft>
-              <a:defRPr sz="2400" kern="1200">
-                <a:solidFill>
-                  <a:schemeClr val="tx1"/>
-                </a:solidFill>
-                <a:latin typeface="Times New Roman"/>
-                <a:ea typeface="+mn-ea"/>
-                <a:cs typeface="+mn-cs"/>
-              </a:defRPr>
-            </a:lvl5pPr>
-            <a:lvl6pPr marL="2286000" algn="l" defTabSz="914400" rtl="0" eaLnBrk="1" latinLnBrk="0" hangingPunct="1">
-              <a:defRPr sz="2400" kern="1200">
-                <a:solidFill>
-                  <a:schemeClr val="tx1"/>
-                </a:solidFill>
-                <a:latin typeface="Times New Roman"/>
-                <a:ea typeface="+mn-ea"/>
-                <a:cs typeface="+mn-cs"/>
-              </a:defRPr>
-            </a:lvl6pPr>
-            <a:lvl7pPr marL="2743200" algn="l" defTabSz="914400" rtl="0" eaLnBrk="1" latinLnBrk="0" hangingPunct="1">
-              <a:defRPr sz="2400" kern="1200">
-                <a:solidFill>
-                  <a:schemeClr val="tx1"/>
-                </a:solidFill>
-                <a:latin typeface="Times New Roman"/>
-                <a:ea typeface="+mn-ea"/>
-                <a:cs typeface="+mn-cs"/>
-              </a:defRPr>
-            </a:lvl7pPr>
-            <a:lvl8pPr marL="3200400" algn="l" defTabSz="914400" rtl="0" eaLnBrk="1" latinLnBrk="0" hangingPunct="1">
-              <a:defRPr sz="2400" kern="1200">
-                <a:solidFill>
-                  <a:schemeClr val="tx1"/>
-                </a:solidFill>
-                <a:latin typeface="Times New Roman"/>
-                <a:ea typeface="+mn-ea"/>
-                <a:cs typeface="+mn-cs"/>
-              </a:defRPr>
-            </a:lvl8pPr>
-            <a:lvl9pPr marL="3657600" algn="l" defTabSz="914400" rtl="0" eaLnBrk="1" latinLnBrk="0" hangingPunct="1">
-              <a:defRPr sz="2400" kern="1200">
-                <a:solidFill>
-                  <a:schemeClr val="tx1"/>
-                </a:solidFill>
-                <a:latin typeface="Times New Roman"/>
-                <a:ea typeface="+mn-ea"/>
-                <a:cs typeface="+mn-cs"/>
-              </a:defRPr>
-            </a:lvl9pPr>
-          </a:lstStyle>
-          <a:p>
-            <a:pPr>
-              <a:defRPr/>
-            </a:pPr>
-            <a:r>
-              <a:rPr lang="en-US" kern="1200" dirty="0"/>
-              <a:t>Murach's Android Programming, C8</a:t>
-            </a:r>
-          </a:p>
-        </p:txBody>
-      </p:sp>
-      <p:sp>
-        <p:nvSpPr>
-          <p:cNvPr id="6" name="Footer Placeholder 2"/>
-          <p:cNvSpPr>
-            <a:spLocks noGrp="1"/>
-          </p:cNvSpPr>
-          <p:nvPr/>
-        </p:nvSpPr>
-        <p:spPr bwMode="auto">
-          <a:xfrm>
-            <a:off x="2883199" y="6327117"/>
-            <a:ext cx="3352800" cy="457200"/>
-          </a:xfrm>
-          <a:prstGeom prst="rect">
-            <a:avLst/>
-          </a:prstGeom>
-          <a:noFill/>
-          <a:ln>
-            <a:miter lim="800000"/>
-            <a:headEnd/>
-            <a:tailEnd/>
-          </a:ln>
-        </p:spPr>
-        <p:txBody>
-          <a:bodyPr vert="horz" wrap="square" lIns="91440" tIns="45720" rIns="91440" bIns="45720" numCol="1" anchor="b" anchorCtr="0" compatLnSpc="1">
-            <a:prstTxWarp prst="textNoShape">
-              <a:avLst/>
-            </a:prstTxWarp>
-          </a:bodyPr>
-          <a:lstStyle>
-            <a:defPPr>
-              <a:defRPr lang="en-US"/>
-            </a:defPPr>
-            <a:lvl1pPr algn="ctr" rtl="0" eaLnBrk="0" fontAlgn="base" hangingPunct="0">
-              <a:spcBef>
-                <a:spcPct val="0"/>
-              </a:spcBef>
-              <a:spcAft>
-                <a:spcPct val="0"/>
-              </a:spcAft>
-              <a:defRPr sz="900" kern="1200">
-                <a:solidFill>
-                  <a:schemeClr val="tx1"/>
-                </a:solidFill>
-                <a:latin typeface="Arial Narrow" pitchFamily="34" charset="0"/>
-                <a:ea typeface="+mn-ea"/>
-                <a:cs typeface="+mn-cs"/>
-              </a:defRPr>
-            </a:lvl1pPr>
-            <a:lvl2pPr marL="457200" algn="l" rtl="0" eaLnBrk="0" fontAlgn="base" hangingPunct="0">
-              <a:spcBef>
-                <a:spcPct val="0"/>
-              </a:spcBef>
-              <a:spcAft>
-                <a:spcPct val="0"/>
-              </a:spcAft>
-              <a:defRPr sz="2400" kern="1200">
-                <a:solidFill>
-                  <a:schemeClr val="tx1"/>
-                </a:solidFill>
-                <a:latin typeface="Times New Roman"/>
-                <a:ea typeface="+mn-ea"/>
-                <a:cs typeface="+mn-cs"/>
-              </a:defRPr>
-            </a:lvl2pPr>
-            <a:lvl3pPr marL="914400" algn="l" rtl="0" eaLnBrk="0" fontAlgn="base" hangingPunct="0">
-              <a:spcBef>
-                <a:spcPct val="0"/>
-              </a:spcBef>
-              <a:spcAft>
-                <a:spcPct val="0"/>
-              </a:spcAft>
-              <a:defRPr sz="2400" kern="1200">
-                <a:solidFill>
-                  <a:schemeClr val="tx1"/>
-                </a:solidFill>
-                <a:latin typeface="Times New Roman"/>
-                <a:ea typeface="+mn-ea"/>
-                <a:cs typeface="+mn-cs"/>
-              </a:defRPr>
-            </a:lvl3pPr>
-            <a:lvl4pPr marL="1371600" algn="l" rtl="0" eaLnBrk="0" fontAlgn="base" hangingPunct="0">
-              <a:spcBef>
-                <a:spcPct val="0"/>
-              </a:spcBef>
-              <a:spcAft>
-                <a:spcPct val="0"/>
-              </a:spcAft>
-              <a:defRPr sz="2400" kern="1200">
-                <a:solidFill>
-                  <a:schemeClr val="tx1"/>
-                </a:solidFill>
-                <a:latin typeface="Times New Roman"/>
-                <a:ea typeface="+mn-ea"/>
-                <a:cs typeface="+mn-cs"/>
-              </a:defRPr>
-            </a:lvl4pPr>
-            <a:lvl5pPr marL="1828800" algn="l" rtl="0" eaLnBrk="0" fontAlgn="base" hangingPunct="0">
-              <a:spcBef>
-                <a:spcPct val="0"/>
-              </a:spcBef>
-              <a:spcAft>
-                <a:spcPct val="0"/>
-              </a:spcAft>
-              <a:defRPr sz="2400" kern="1200">
-                <a:solidFill>
-                  <a:schemeClr val="tx1"/>
-                </a:solidFill>
-                <a:latin typeface="Times New Roman"/>
-                <a:ea typeface="+mn-ea"/>
-                <a:cs typeface="+mn-cs"/>
-              </a:defRPr>
-            </a:lvl5pPr>
-            <a:lvl6pPr marL="2286000" algn="l" defTabSz="914400" rtl="0" eaLnBrk="1" latinLnBrk="0" hangingPunct="1">
-              <a:defRPr sz="2400" kern="1200">
-                <a:solidFill>
-                  <a:schemeClr val="tx1"/>
-                </a:solidFill>
-                <a:latin typeface="Times New Roman"/>
-                <a:ea typeface="+mn-ea"/>
-                <a:cs typeface="+mn-cs"/>
-              </a:defRPr>
-            </a:lvl6pPr>
-            <a:lvl7pPr marL="2743200" algn="l" defTabSz="914400" rtl="0" eaLnBrk="1" latinLnBrk="0" hangingPunct="1">
-              <a:defRPr sz="2400" kern="1200">
-                <a:solidFill>
-                  <a:schemeClr val="tx1"/>
-                </a:solidFill>
-                <a:latin typeface="Times New Roman"/>
-                <a:ea typeface="+mn-ea"/>
-                <a:cs typeface="+mn-cs"/>
-              </a:defRPr>
-            </a:lvl7pPr>
-            <a:lvl8pPr marL="3200400" algn="l" defTabSz="914400" rtl="0" eaLnBrk="1" latinLnBrk="0" hangingPunct="1">
-              <a:defRPr sz="2400" kern="1200">
-                <a:solidFill>
-                  <a:schemeClr val="tx1"/>
-                </a:solidFill>
-                <a:latin typeface="Times New Roman"/>
-                <a:ea typeface="+mn-ea"/>
-                <a:cs typeface="+mn-cs"/>
-              </a:defRPr>
-            </a:lvl8pPr>
-            <a:lvl9pPr marL="3657600" algn="l" defTabSz="914400" rtl="0" eaLnBrk="1" latinLnBrk="0" hangingPunct="1">
-              <a:defRPr sz="2400" kern="1200">
-                <a:solidFill>
-                  <a:schemeClr val="tx1"/>
-                </a:solidFill>
-                <a:latin typeface="Times New Roman"/>
-                <a:ea typeface="+mn-ea"/>
-                <a:cs typeface="+mn-cs"/>
-              </a:defRPr>
-            </a:lvl9pPr>
-          </a:lstStyle>
-          <a:p>
-            <a:pPr>
-              <a:defRPr/>
-            </a:pPr>
-            <a:r>
-              <a:rPr lang="en-US" kern="1200" dirty="0"/>
-              <a:t>© 2015, Mike Murach &amp; Associates, Inc. – modified by Brian Bird 2016</a:t>
-            </a:r>
-          </a:p>
-        </p:txBody>
-      </p:sp>
-      <p:sp>
-        <p:nvSpPr>
-          <p:cNvPr id="7" name="Slide Number Placeholder 3"/>
-          <p:cNvSpPr>
-            <a:spLocks noGrp="1"/>
-          </p:cNvSpPr>
-          <p:nvPr/>
-        </p:nvSpPr>
-        <p:spPr bwMode="auto">
-          <a:xfrm>
-            <a:off x="6916621" y="6298056"/>
-            <a:ext cx="1905000" cy="457200"/>
-          </a:xfrm>
-          <a:prstGeom prst="rect">
-            <a:avLst/>
-          </a:prstGeom>
-          <a:noFill/>
-          <a:ln>
-            <a:miter lim="800000"/>
-            <a:headEnd/>
-            <a:tailEnd/>
-          </a:ln>
-        </p:spPr>
-        <p:txBody>
-          <a:bodyPr vert="horz" wrap="square" lIns="91440" tIns="45720" rIns="91440" bIns="45720" numCol="1" anchor="b" anchorCtr="0" compatLnSpc="1">
-            <a:prstTxWarp prst="textNoShape">
-              <a:avLst/>
-            </a:prstTxWarp>
-          </a:bodyPr>
-          <a:lstStyle>
-            <a:defPPr>
-              <a:defRPr lang="en-US"/>
-            </a:defPPr>
-            <a:lvl1pPr algn="l" rtl="0" eaLnBrk="0" fontAlgn="base" hangingPunct="0">
-              <a:spcBef>
-                <a:spcPct val="0"/>
-              </a:spcBef>
-              <a:spcAft>
-                <a:spcPct val="0"/>
-              </a:spcAft>
-              <a:defRPr sz="1400" kern="1200">
-                <a:solidFill>
-                  <a:schemeClr val="tx1"/>
-                </a:solidFill>
-                <a:latin typeface="Times New Roman"/>
-                <a:ea typeface="+mn-ea"/>
-                <a:cs typeface="+mn-cs"/>
-              </a:defRPr>
-            </a:lvl1pPr>
-            <a:lvl2pPr marL="457200" algn="l" rtl="0" eaLnBrk="0" fontAlgn="base" hangingPunct="0">
-              <a:spcBef>
-                <a:spcPct val="0"/>
-              </a:spcBef>
-              <a:spcAft>
-                <a:spcPct val="0"/>
-              </a:spcAft>
-              <a:defRPr sz="2400" kern="1200">
-                <a:solidFill>
-                  <a:schemeClr val="tx1"/>
-                </a:solidFill>
-                <a:latin typeface="Times New Roman"/>
-                <a:ea typeface="+mn-ea"/>
-                <a:cs typeface="+mn-cs"/>
-              </a:defRPr>
-            </a:lvl2pPr>
-            <a:lvl3pPr marL="914400" algn="l" rtl="0" eaLnBrk="0" fontAlgn="base" hangingPunct="0">
-              <a:spcBef>
-                <a:spcPct val="0"/>
-              </a:spcBef>
-              <a:spcAft>
-                <a:spcPct val="0"/>
-              </a:spcAft>
-              <a:defRPr sz="2400" kern="1200">
-                <a:solidFill>
-                  <a:schemeClr val="tx1"/>
-                </a:solidFill>
-                <a:latin typeface="Times New Roman"/>
-                <a:ea typeface="+mn-ea"/>
-                <a:cs typeface="+mn-cs"/>
-              </a:defRPr>
-            </a:lvl3pPr>
-            <a:lvl4pPr marL="1371600" algn="l" rtl="0" eaLnBrk="0" fontAlgn="base" hangingPunct="0">
-              <a:spcBef>
-                <a:spcPct val="0"/>
-              </a:spcBef>
-              <a:spcAft>
-                <a:spcPct val="0"/>
-              </a:spcAft>
-              <a:defRPr sz="2400" kern="1200">
-                <a:solidFill>
-                  <a:schemeClr val="tx1"/>
-                </a:solidFill>
-                <a:latin typeface="Times New Roman"/>
-                <a:ea typeface="+mn-ea"/>
-                <a:cs typeface="+mn-cs"/>
-              </a:defRPr>
-            </a:lvl4pPr>
-            <a:lvl5pPr marL="1828800" algn="l" rtl="0" eaLnBrk="0" fontAlgn="base" hangingPunct="0">
-              <a:spcBef>
-                <a:spcPct val="0"/>
-              </a:spcBef>
-              <a:spcAft>
-                <a:spcPct val="0"/>
-              </a:spcAft>
-              <a:defRPr sz="2400" kern="1200">
-                <a:solidFill>
-                  <a:schemeClr val="tx1"/>
-                </a:solidFill>
-                <a:latin typeface="Times New Roman"/>
-                <a:ea typeface="+mn-ea"/>
-                <a:cs typeface="+mn-cs"/>
-              </a:defRPr>
-            </a:lvl5pPr>
-            <a:lvl6pPr marL="2286000" algn="l" defTabSz="914400" rtl="0" eaLnBrk="1" latinLnBrk="0" hangingPunct="1">
-              <a:defRPr sz="2400" kern="1200">
-                <a:solidFill>
-                  <a:schemeClr val="tx1"/>
-                </a:solidFill>
-                <a:latin typeface="Times New Roman"/>
-                <a:ea typeface="+mn-ea"/>
-                <a:cs typeface="+mn-cs"/>
-              </a:defRPr>
-            </a:lvl6pPr>
-            <a:lvl7pPr marL="2743200" algn="l" defTabSz="914400" rtl="0" eaLnBrk="1" latinLnBrk="0" hangingPunct="1">
-              <a:defRPr sz="2400" kern="1200">
-                <a:solidFill>
-                  <a:schemeClr val="tx1"/>
-                </a:solidFill>
-                <a:latin typeface="Times New Roman"/>
-                <a:ea typeface="+mn-ea"/>
-                <a:cs typeface="+mn-cs"/>
-              </a:defRPr>
-            </a:lvl7pPr>
-            <a:lvl8pPr marL="3200400" algn="l" defTabSz="914400" rtl="0" eaLnBrk="1" latinLnBrk="0" hangingPunct="1">
-              <a:defRPr sz="2400" kern="1200">
-                <a:solidFill>
-                  <a:schemeClr val="tx1"/>
-                </a:solidFill>
-                <a:latin typeface="Times New Roman"/>
-                <a:ea typeface="+mn-ea"/>
-                <a:cs typeface="+mn-cs"/>
-              </a:defRPr>
-            </a:lvl8pPr>
-            <a:lvl9pPr marL="3657600" algn="l" defTabSz="914400" rtl="0" eaLnBrk="1" latinLnBrk="0" hangingPunct="1">
-              <a:defRPr sz="2400" kern="1200">
-                <a:solidFill>
-                  <a:schemeClr val="tx1"/>
-                </a:solidFill>
-                <a:latin typeface="Times New Roman"/>
-                <a:ea typeface="+mn-ea"/>
-                <a:cs typeface="+mn-cs"/>
-              </a:defRPr>
-            </a:lvl9pPr>
-          </a:lstStyle>
-          <a:p>
-            <a:pPr>
-              <a:defRPr/>
-            </a:pPr>
-            <a:endParaRPr lang="en-US" kern="1200" dirty="0"/>
-          </a:p>
-          <a:p>
-            <a:pPr algn="r">
-              <a:defRPr/>
-            </a:pPr>
-            <a:r>
-              <a:rPr lang="en-US" sz="900" kern="1200" dirty="0">
-                <a:latin typeface="Arial Narrow" pitchFamily="34" charset="0"/>
-              </a:rPr>
-              <a:t>Slide </a:t>
-            </a:r>
-            <a:fld id="{5ECE9829-65B2-40C6-AEFF-7C648FF56A9C}" type="slidenum">
-              <a:rPr lang="en-US" sz="900" kern="1200" smtClean="0">
-                <a:latin typeface="Arial Narrow" pitchFamily="34" charset="0"/>
-              </a:rPr>
-              <a:pPr algn="r">
-                <a:defRPr/>
-              </a:pPr>
-              <a:t>5</a:t>
-            </a:fld>
-            <a:endParaRPr lang="en-US" sz="900" kern="1200" dirty="0">
-              <a:latin typeface="Arial Narrow" pitchFamily="34" charset="0"/>
-            </a:endParaRPr>
-          </a:p>
-        </p:txBody>
-      </p:sp>
-    </p:spTree>
-    <p:extLst>
-      <p:ext uri="{BB962C8B-B14F-4D97-AF65-F5344CB8AC3E}">
-        <p14:creationId xmlns:p14="http://schemas.microsoft.com/office/powerpoint/2010/main" val="3702339685"/>
-      </p:ext>
-    </p:extLst>
-  </p:cSld>
-  <p:clrMapOvr>
-    <a:masterClrMapping/>
-  </p:clrMapOvr>
-</p:sld>
-</file>
-
-<file path=ppt/slides/slide6.xml><?xml version="1.0" encoding="utf-8"?>
-<p:sld xmlns:a="http://schemas.openxmlformats.org/drawingml/2006/main" xmlns:r="http://schemas.openxmlformats.org/officeDocument/2006/relationships" xmlns:p="http://schemas.openxmlformats.org/presentationml/2006/main">
-  <p:cSld>
-    <p:spTree>
-      <p:nvGrpSpPr>
-        <p:cNvPr id="1" name=""/>
-        <p:cNvGrpSpPr/>
-        <p:nvPr/>
-      </p:nvGrpSpPr>
-      <p:grpSpPr>
-        <a:xfrm>
-          <a:off x="0" y="0"/>
-          <a:ext cx="0" cy="0"/>
-          <a:chOff x="0" y="0"/>
-          <a:chExt cx="0" cy="0"/>
-        </a:xfrm>
-      </p:grpSpPr>
-      <p:sp>
-        <p:nvSpPr>
           <p:cNvPr id="4" name="Date Placeholder 1"/>
           <p:cNvSpPr>
             <a:spLocks noGrp="1"/>
@@ -16465,7 +15789,7 @@
               <a:pPr algn="r">
                 <a:defRPr/>
               </a:pPr>
-              <a:t>6</a:t>
+              <a:t>5</a:t>
             </a:fld>
             <a:endParaRPr lang="en-US" sz="900">
               <a:latin typeface="Arial Narrow" pitchFamily="34" charset="0"/>
@@ -16495,7 +15819,7 @@
           <a:graphicData uri="http://schemas.openxmlformats.org/presentationml/2006/ole">
             <mc:AlternateContent xmlns:mc="http://schemas.openxmlformats.org/markup-compatibility/2006">
               <mc:Choice xmlns:v="urn:schemas-microsoft-com:vml" Requires="v">
-                <p:oleObj spid="_x0000_s1106" name="Document" r:id="rId3" imgW="6965814" imgH="779723" progId="Word.Document.12">
+                <p:oleObj spid="_x0000_s1110" name="Document" r:id="rId3" imgW="6965814" imgH="779723" progId="Word.Document.12">
                   <p:embed/>
                 </p:oleObj>
               </mc:Choice>
@@ -16582,7 +15906,7 @@
           <a:graphicData uri="http://schemas.openxmlformats.org/presentationml/2006/ole">
             <mc:AlternateContent xmlns:mc="http://schemas.openxmlformats.org/markup-compatibility/2006">
               <mc:Choice xmlns:v="urn:schemas-microsoft-com:vml" Requires="v">
-                <p:oleObj spid="_x0000_s1107" name="Document" r:id="rId6" imgW="6965814" imgH="1055958" progId="Word.Document.12">
+                <p:oleObj spid="_x0000_s1111" name="Document" r:id="rId6" imgW="6965814" imgH="1055958" progId="Word.Document.12">
                   <p:embed/>
                 </p:oleObj>
               </mc:Choice>
@@ -16660,6 +15984,682 @@
 </p:sld>
 </file>
 
+<file path=ppt/slides/slide6.xml><?xml version="1.0" encoding="utf-8"?>
+<p:sld xmlns:a="http://schemas.openxmlformats.org/drawingml/2006/main" xmlns:r="http://schemas.openxmlformats.org/officeDocument/2006/relationships" xmlns:p="http://schemas.openxmlformats.org/presentationml/2006/main">
+  <p:cSld>
+    <p:spTree>
+      <p:nvGrpSpPr>
+        <p:cNvPr id="1" name=""/>
+        <p:cNvGrpSpPr/>
+        <p:nvPr/>
+      </p:nvGrpSpPr>
+      <p:grpSpPr>
+        <a:xfrm>
+          <a:off x="0" y="0"/>
+          <a:ext cx="0" cy="0"/>
+          <a:chOff x="0" y="0"/>
+          <a:chExt cx="0" cy="0"/>
+        </a:xfrm>
+      </p:grpSpPr>
+      <p:sp>
+        <p:nvSpPr>
+          <p:cNvPr id="2" name="Title 1"/>
+          <p:cNvSpPr>
+            <a:spLocks noGrp="1"/>
+          </p:cNvSpPr>
+          <p:nvPr>
+            <p:ph type="title"/>
+          </p:nvPr>
+        </p:nvSpPr>
+        <p:spPr>
+          <a:xfrm>
+            <a:off x="457200" y="274638"/>
+            <a:ext cx="8229600" cy="828575"/>
+          </a:xfrm>
+        </p:spPr>
+        <p:txBody>
+          <a:bodyPr>
+            <a:normAutofit/>
+          </a:bodyPr>
+          <a:lstStyle/>
+          <a:p>
+            <a:r>
+              <a:rPr lang="en-US" sz="4000" b="1" dirty="0">
+                <a:solidFill>
+                  <a:srgbClr val="2D2DB9"/>
+                </a:solidFill>
+              </a:rPr>
+              <a:t>Options Menu</a:t>
+            </a:r>
+          </a:p>
+        </p:txBody>
+      </p:sp>
+      <p:sp>
+        <p:nvSpPr>
+          <p:cNvPr id="3" name="Content Placeholder 2"/>
+          <p:cNvSpPr>
+            <a:spLocks noGrp="1"/>
+          </p:cNvSpPr>
+          <p:nvPr>
+            <p:ph idx="1"/>
+          </p:nvPr>
+        </p:nvSpPr>
+        <p:spPr>
+          <a:xfrm>
+            <a:off x="457200" y="1251544"/>
+            <a:ext cx="8229600" cy="4874619"/>
+          </a:xfrm>
+        </p:spPr>
+        <p:txBody>
+          <a:bodyPr>
+            <a:normAutofit/>
+          </a:bodyPr>
+          <a:lstStyle/>
+          <a:p>
+            <a:pPr marL="0" indent="0">
+              <a:buNone/>
+            </a:pPr>
+            <a:r>
+              <a:rPr lang="en-US" dirty="0"/>
+              <a:t>Options menu displayed from an action overflow icon– contains two action items</a:t>
+            </a:r>
+          </a:p>
+          <a:p>
+            <a:pPr marL="0" indent="0">
+              <a:buNone/>
+            </a:pPr>
+            <a:endParaRPr lang="en-US" dirty="0"/>
+          </a:p>
+          <a:p>
+            <a:pPr marL="0" indent="0">
+              <a:buNone/>
+            </a:pPr>
+            <a:endParaRPr lang="en-US" dirty="0"/>
+          </a:p>
+          <a:p>
+            <a:pPr marL="0" indent="0">
+              <a:buNone/>
+            </a:pPr>
+            <a:endParaRPr lang="en-US" dirty="0"/>
+          </a:p>
+          <a:p>
+            <a:pPr marL="0" indent="0">
+              <a:buNone/>
+            </a:pPr>
+            <a:endParaRPr lang="en-US" dirty="0"/>
+          </a:p>
+          <a:p>
+            <a:pPr marL="0" indent="0">
+              <a:buNone/>
+            </a:pPr>
+            <a:endParaRPr lang="en-US" dirty="0"/>
+          </a:p>
+          <a:p>
+            <a:pPr marL="0" indent="0">
+              <a:buNone/>
+            </a:pPr>
+            <a:endParaRPr lang="en-US" dirty="0"/>
+          </a:p>
+        </p:txBody>
+      </p:sp>
+      <p:pic>
+        <p:nvPicPr>
+          <p:cNvPr id="4" name="Picture 3"/>
+          <p:cNvPicPr>
+            <a:picLocks noChangeAspect="1"/>
+          </p:cNvPicPr>
+          <p:nvPr/>
+        </p:nvPicPr>
+        <p:blipFill>
+          <a:blip r:embed="rId2">
+            <a:extLst>
+              <a:ext uri="{28A0092B-C50C-407E-A947-70E740481C1C}">
+                <a14:useLocalDpi xmlns:a14="http://schemas.microsoft.com/office/drawing/2010/main" val="0"/>
+              </a:ext>
+            </a:extLst>
+          </a:blip>
+          <a:stretch>
+            <a:fillRect/>
+          </a:stretch>
+        </p:blipFill>
+        <p:spPr>
+          <a:xfrm>
+            <a:off x="2883199" y="2797429"/>
+            <a:ext cx="3291840" cy="2303780"/>
+          </a:xfrm>
+          <a:prstGeom prst="rect">
+            <a:avLst/>
+          </a:prstGeom>
+        </p:spPr>
+      </p:pic>
+      <p:sp>
+        <p:nvSpPr>
+          <p:cNvPr id="5" name="Date Placeholder 1"/>
+          <p:cNvSpPr>
+            <a:spLocks noGrp="1"/>
+          </p:cNvSpPr>
+          <p:nvPr/>
+        </p:nvSpPr>
+        <p:spPr bwMode="auto">
+          <a:xfrm>
+            <a:off x="130708" y="6322617"/>
+            <a:ext cx="1981200" cy="457200"/>
+          </a:xfrm>
+          <a:prstGeom prst="rect">
+            <a:avLst/>
+          </a:prstGeom>
+          <a:noFill/>
+          <a:ln>
+            <a:miter lim="800000"/>
+            <a:headEnd/>
+            <a:tailEnd/>
+          </a:ln>
+        </p:spPr>
+        <p:txBody>
+          <a:bodyPr vert="horz" wrap="square" lIns="91440" tIns="45720" rIns="91440" bIns="45720" numCol="1" anchor="b" anchorCtr="0" compatLnSpc="1">
+            <a:prstTxWarp prst="textNoShape">
+              <a:avLst/>
+            </a:prstTxWarp>
+          </a:bodyPr>
+          <a:lstStyle>
+            <a:defPPr>
+              <a:defRPr lang="en-US"/>
+            </a:defPPr>
+            <a:lvl1pPr algn="l" rtl="0" eaLnBrk="0" fontAlgn="base" hangingPunct="0">
+              <a:spcBef>
+                <a:spcPct val="0"/>
+              </a:spcBef>
+              <a:spcAft>
+                <a:spcPct val="0"/>
+              </a:spcAft>
+              <a:defRPr sz="900" kern="1200">
+                <a:solidFill>
+                  <a:schemeClr val="tx1"/>
+                </a:solidFill>
+                <a:latin typeface="Arial Narrow" pitchFamily="34" charset="0"/>
+                <a:ea typeface="+mn-ea"/>
+                <a:cs typeface="+mn-cs"/>
+              </a:defRPr>
+            </a:lvl1pPr>
+            <a:lvl2pPr marL="457200" algn="l" rtl="0" eaLnBrk="0" fontAlgn="base" hangingPunct="0">
+              <a:spcBef>
+                <a:spcPct val="0"/>
+              </a:spcBef>
+              <a:spcAft>
+                <a:spcPct val="0"/>
+              </a:spcAft>
+              <a:defRPr sz="2400" kern="1200">
+                <a:solidFill>
+                  <a:schemeClr val="tx1"/>
+                </a:solidFill>
+                <a:latin typeface="Times New Roman"/>
+                <a:ea typeface="+mn-ea"/>
+                <a:cs typeface="+mn-cs"/>
+              </a:defRPr>
+            </a:lvl2pPr>
+            <a:lvl3pPr marL="914400" algn="l" rtl="0" eaLnBrk="0" fontAlgn="base" hangingPunct="0">
+              <a:spcBef>
+                <a:spcPct val="0"/>
+              </a:spcBef>
+              <a:spcAft>
+                <a:spcPct val="0"/>
+              </a:spcAft>
+              <a:defRPr sz="2400" kern="1200">
+                <a:solidFill>
+                  <a:schemeClr val="tx1"/>
+                </a:solidFill>
+                <a:latin typeface="Times New Roman"/>
+                <a:ea typeface="+mn-ea"/>
+                <a:cs typeface="+mn-cs"/>
+              </a:defRPr>
+            </a:lvl3pPr>
+            <a:lvl4pPr marL="1371600" algn="l" rtl="0" eaLnBrk="0" fontAlgn="base" hangingPunct="0">
+              <a:spcBef>
+                <a:spcPct val="0"/>
+              </a:spcBef>
+              <a:spcAft>
+                <a:spcPct val="0"/>
+              </a:spcAft>
+              <a:defRPr sz="2400" kern="1200">
+                <a:solidFill>
+                  <a:schemeClr val="tx1"/>
+                </a:solidFill>
+                <a:latin typeface="Times New Roman"/>
+                <a:ea typeface="+mn-ea"/>
+                <a:cs typeface="+mn-cs"/>
+              </a:defRPr>
+            </a:lvl4pPr>
+            <a:lvl5pPr marL="1828800" algn="l" rtl="0" eaLnBrk="0" fontAlgn="base" hangingPunct="0">
+              <a:spcBef>
+                <a:spcPct val="0"/>
+              </a:spcBef>
+              <a:spcAft>
+                <a:spcPct val="0"/>
+              </a:spcAft>
+              <a:defRPr sz="2400" kern="1200">
+                <a:solidFill>
+                  <a:schemeClr val="tx1"/>
+                </a:solidFill>
+                <a:latin typeface="Times New Roman"/>
+                <a:ea typeface="+mn-ea"/>
+                <a:cs typeface="+mn-cs"/>
+              </a:defRPr>
+            </a:lvl5pPr>
+            <a:lvl6pPr marL="2286000" algn="l" defTabSz="914400" rtl="0" eaLnBrk="1" latinLnBrk="0" hangingPunct="1">
+              <a:defRPr sz="2400" kern="1200">
+                <a:solidFill>
+                  <a:schemeClr val="tx1"/>
+                </a:solidFill>
+                <a:latin typeface="Times New Roman"/>
+                <a:ea typeface="+mn-ea"/>
+                <a:cs typeface="+mn-cs"/>
+              </a:defRPr>
+            </a:lvl6pPr>
+            <a:lvl7pPr marL="2743200" algn="l" defTabSz="914400" rtl="0" eaLnBrk="1" latinLnBrk="0" hangingPunct="1">
+              <a:defRPr sz="2400" kern="1200">
+                <a:solidFill>
+                  <a:schemeClr val="tx1"/>
+                </a:solidFill>
+                <a:latin typeface="Times New Roman"/>
+                <a:ea typeface="+mn-ea"/>
+                <a:cs typeface="+mn-cs"/>
+              </a:defRPr>
+            </a:lvl7pPr>
+            <a:lvl8pPr marL="3200400" algn="l" defTabSz="914400" rtl="0" eaLnBrk="1" latinLnBrk="0" hangingPunct="1">
+              <a:defRPr sz="2400" kern="1200">
+                <a:solidFill>
+                  <a:schemeClr val="tx1"/>
+                </a:solidFill>
+                <a:latin typeface="Times New Roman"/>
+                <a:ea typeface="+mn-ea"/>
+                <a:cs typeface="+mn-cs"/>
+              </a:defRPr>
+            </a:lvl8pPr>
+            <a:lvl9pPr marL="3657600" algn="l" defTabSz="914400" rtl="0" eaLnBrk="1" latinLnBrk="0" hangingPunct="1">
+              <a:defRPr sz="2400" kern="1200">
+                <a:solidFill>
+                  <a:schemeClr val="tx1"/>
+                </a:solidFill>
+                <a:latin typeface="Times New Roman"/>
+                <a:ea typeface="+mn-ea"/>
+                <a:cs typeface="+mn-cs"/>
+              </a:defRPr>
+            </a:lvl9pPr>
+          </a:lstStyle>
+          <a:p>
+            <a:pPr>
+              <a:defRPr/>
+            </a:pPr>
+            <a:r>
+              <a:rPr lang="en-US" kern="1200" dirty="0"/>
+              <a:t>Murach's Android Programming, C8</a:t>
+            </a:r>
+          </a:p>
+        </p:txBody>
+      </p:sp>
+      <p:sp>
+        <p:nvSpPr>
+          <p:cNvPr id="6" name="Footer Placeholder 2"/>
+          <p:cNvSpPr>
+            <a:spLocks noGrp="1"/>
+          </p:cNvSpPr>
+          <p:nvPr/>
+        </p:nvSpPr>
+        <p:spPr bwMode="auto">
+          <a:xfrm>
+            <a:off x="2883199" y="6327117"/>
+            <a:ext cx="3352800" cy="457200"/>
+          </a:xfrm>
+          <a:prstGeom prst="rect">
+            <a:avLst/>
+          </a:prstGeom>
+          <a:noFill/>
+          <a:ln>
+            <a:miter lim="800000"/>
+            <a:headEnd/>
+            <a:tailEnd/>
+          </a:ln>
+        </p:spPr>
+        <p:txBody>
+          <a:bodyPr vert="horz" wrap="square" lIns="91440" tIns="45720" rIns="91440" bIns="45720" numCol="1" anchor="b" anchorCtr="0" compatLnSpc="1">
+            <a:prstTxWarp prst="textNoShape">
+              <a:avLst/>
+            </a:prstTxWarp>
+          </a:bodyPr>
+          <a:lstStyle>
+            <a:defPPr>
+              <a:defRPr lang="en-US"/>
+            </a:defPPr>
+            <a:lvl1pPr algn="ctr" rtl="0" eaLnBrk="0" fontAlgn="base" hangingPunct="0">
+              <a:spcBef>
+                <a:spcPct val="0"/>
+              </a:spcBef>
+              <a:spcAft>
+                <a:spcPct val="0"/>
+              </a:spcAft>
+              <a:defRPr sz="900" kern="1200">
+                <a:solidFill>
+                  <a:schemeClr val="tx1"/>
+                </a:solidFill>
+                <a:latin typeface="Arial Narrow" pitchFamily="34" charset="0"/>
+                <a:ea typeface="+mn-ea"/>
+                <a:cs typeface="+mn-cs"/>
+              </a:defRPr>
+            </a:lvl1pPr>
+            <a:lvl2pPr marL="457200" algn="l" rtl="0" eaLnBrk="0" fontAlgn="base" hangingPunct="0">
+              <a:spcBef>
+                <a:spcPct val="0"/>
+              </a:spcBef>
+              <a:spcAft>
+                <a:spcPct val="0"/>
+              </a:spcAft>
+              <a:defRPr sz="2400" kern="1200">
+                <a:solidFill>
+                  <a:schemeClr val="tx1"/>
+                </a:solidFill>
+                <a:latin typeface="Times New Roman"/>
+                <a:ea typeface="+mn-ea"/>
+                <a:cs typeface="+mn-cs"/>
+              </a:defRPr>
+            </a:lvl2pPr>
+            <a:lvl3pPr marL="914400" algn="l" rtl="0" eaLnBrk="0" fontAlgn="base" hangingPunct="0">
+              <a:spcBef>
+                <a:spcPct val="0"/>
+              </a:spcBef>
+              <a:spcAft>
+                <a:spcPct val="0"/>
+              </a:spcAft>
+              <a:defRPr sz="2400" kern="1200">
+                <a:solidFill>
+                  <a:schemeClr val="tx1"/>
+                </a:solidFill>
+                <a:latin typeface="Times New Roman"/>
+                <a:ea typeface="+mn-ea"/>
+                <a:cs typeface="+mn-cs"/>
+              </a:defRPr>
+            </a:lvl3pPr>
+            <a:lvl4pPr marL="1371600" algn="l" rtl="0" eaLnBrk="0" fontAlgn="base" hangingPunct="0">
+              <a:spcBef>
+                <a:spcPct val="0"/>
+              </a:spcBef>
+              <a:spcAft>
+                <a:spcPct val="0"/>
+              </a:spcAft>
+              <a:defRPr sz="2400" kern="1200">
+                <a:solidFill>
+                  <a:schemeClr val="tx1"/>
+                </a:solidFill>
+                <a:latin typeface="Times New Roman"/>
+                <a:ea typeface="+mn-ea"/>
+                <a:cs typeface="+mn-cs"/>
+              </a:defRPr>
+            </a:lvl4pPr>
+            <a:lvl5pPr marL="1828800" algn="l" rtl="0" eaLnBrk="0" fontAlgn="base" hangingPunct="0">
+              <a:spcBef>
+                <a:spcPct val="0"/>
+              </a:spcBef>
+              <a:spcAft>
+                <a:spcPct val="0"/>
+              </a:spcAft>
+              <a:defRPr sz="2400" kern="1200">
+                <a:solidFill>
+                  <a:schemeClr val="tx1"/>
+                </a:solidFill>
+                <a:latin typeface="Times New Roman"/>
+                <a:ea typeface="+mn-ea"/>
+                <a:cs typeface="+mn-cs"/>
+              </a:defRPr>
+            </a:lvl5pPr>
+            <a:lvl6pPr marL="2286000" algn="l" defTabSz="914400" rtl="0" eaLnBrk="1" latinLnBrk="0" hangingPunct="1">
+              <a:defRPr sz="2400" kern="1200">
+                <a:solidFill>
+                  <a:schemeClr val="tx1"/>
+                </a:solidFill>
+                <a:latin typeface="Times New Roman"/>
+                <a:ea typeface="+mn-ea"/>
+                <a:cs typeface="+mn-cs"/>
+              </a:defRPr>
+            </a:lvl6pPr>
+            <a:lvl7pPr marL="2743200" algn="l" defTabSz="914400" rtl="0" eaLnBrk="1" latinLnBrk="0" hangingPunct="1">
+              <a:defRPr sz="2400" kern="1200">
+                <a:solidFill>
+                  <a:schemeClr val="tx1"/>
+                </a:solidFill>
+                <a:latin typeface="Times New Roman"/>
+                <a:ea typeface="+mn-ea"/>
+                <a:cs typeface="+mn-cs"/>
+              </a:defRPr>
+            </a:lvl7pPr>
+            <a:lvl8pPr marL="3200400" algn="l" defTabSz="914400" rtl="0" eaLnBrk="1" latinLnBrk="0" hangingPunct="1">
+              <a:defRPr sz="2400" kern="1200">
+                <a:solidFill>
+                  <a:schemeClr val="tx1"/>
+                </a:solidFill>
+                <a:latin typeface="Times New Roman"/>
+                <a:ea typeface="+mn-ea"/>
+                <a:cs typeface="+mn-cs"/>
+              </a:defRPr>
+            </a:lvl8pPr>
+            <a:lvl9pPr marL="3657600" algn="l" defTabSz="914400" rtl="0" eaLnBrk="1" latinLnBrk="0" hangingPunct="1">
+              <a:defRPr sz="2400" kern="1200">
+                <a:solidFill>
+                  <a:schemeClr val="tx1"/>
+                </a:solidFill>
+                <a:latin typeface="Times New Roman"/>
+                <a:ea typeface="+mn-ea"/>
+                <a:cs typeface="+mn-cs"/>
+              </a:defRPr>
+            </a:lvl9pPr>
+          </a:lstStyle>
+          <a:p>
+            <a:pPr>
+              <a:defRPr/>
+            </a:pPr>
+            <a:r>
+              <a:rPr lang="en-US" kern="1200" dirty="0"/>
+              <a:t>© 2015, Mike Murach &amp; Associates, Inc. – modified by Brian Bird 2016</a:t>
+            </a:r>
+          </a:p>
+        </p:txBody>
+      </p:sp>
+      <p:sp>
+        <p:nvSpPr>
+          <p:cNvPr id="7" name="Slide Number Placeholder 3"/>
+          <p:cNvSpPr>
+            <a:spLocks noGrp="1"/>
+          </p:cNvSpPr>
+          <p:nvPr/>
+        </p:nvSpPr>
+        <p:spPr bwMode="auto">
+          <a:xfrm>
+            <a:off x="6916621" y="6298056"/>
+            <a:ext cx="1905000" cy="457200"/>
+          </a:xfrm>
+          <a:prstGeom prst="rect">
+            <a:avLst/>
+          </a:prstGeom>
+          <a:noFill/>
+          <a:ln>
+            <a:miter lim="800000"/>
+            <a:headEnd/>
+            <a:tailEnd/>
+          </a:ln>
+        </p:spPr>
+        <p:txBody>
+          <a:bodyPr vert="horz" wrap="square" lIns="91440" tIns="45720" rIns="91440" bIns="45720" numCol="1" anchor="b" anchorCtr="0" compatLnSpc="1">
+            <a:prstTxWarp prst="textNoShape">
+              <a:avLst/>
+            </a:prstTxWarp>
+          </a:bodyPr>
+          <a:lstStyle>
+            <a:defPPr>
+              <a:defRPr lang="en-US"/>
+            </a:defPPr>
+            <a:lvl1pPr algn="l" rtl="0" eaLnBrk="0" fontAlgn="base" hangingPunct="0">
+              <a:spcBef>
+                <a:spcPct val="0"/>
+              </a:spcBef>
+              <a:spcAft>
+                <a:spcPct val="0"/>
+              </a:spcAft>
+              <a:defRPr sz="1400" kern="1200">
+                <a:solidFill>
+                  <a:schemeClr val="tx1"/>
+                </a:solidFill>
+                <a:latin typeface="Times New Roman"/>
+                <a:ea typeface="+mn-ea"/>
+                <a:cs typeface="+mn-cs"/>
+              </a:defRPr>
+            </a:lvl1pPr>
+            <a:lvl2pPr marL="457200" algn="l" rtl="0" eaLnBrk="0" fontAlgn="base" hangingPunct="0">
+              <a:spcBef>
+                <a:spcPct val="0"/>
+              </a:spcBef>
+              <a:spcAft>
+                <a:spcPct val="0"/>
+              </a:spcAft>
+              <a:defRPr sz="2400" kern="1200">
+                <a:solidFill>
+                  <a:schemeClr val="tx1"/>
+                </a:solidFill>
+                <a:latin typeface="Times New Roman"/>
+                <a:ea typeface="+mn-ea"/>
+                <a:cs typeface="+mn-cs"/>
+              </a:defRPr>
+            </a:lvl2pPr>
+            <a:lvl3pPr marL="914400" algn="l" rtl="0" eaLnBrk="0" fontAlgn="base" hangingPunct="0">
+              <a:spcBef>
+                <a:spcPct val="0"/>
+              </a:spcBef>
+              <a:spcAft>
+                <a:spcPct val="0"/>
+              </a:spcAft>
+              <a:defRPr sz="2400" kern="1200">
+                <a:solidFill>
+                  <a:schemeClr val="tx1"/>
+                </a:solidFill>
+                <a:latin typeface="Times New Roman"/>
+                <a:ea typeface="+mn-ea"/>
+                <a:cs typeface="+mn-cs"/>
+              </a:defRPr>
+            </a:lvl3pPr>
+            <a:lvl4pPr marL="1371600" algn="l" rtl="0" eaLnBrk="0" fontAlgn="base" hangingPunct="0">
+              <a:spcBef>
+                <a:spcPct val="0"/>
+              </a:spcBef>
+              <a:spcAft>
+                <a:spcPct val="0"/>
+              </a:spcAft>
+              <a:defRPr sz="2400" kern="1200">
+                <a:solidFill>
+                  <a:schemeClr val="tx1"/>
+                </a:solidFill>
+                <a:latin typeface="Times New Roman"/>
+                <a:ea typeface="+mn-ea"/>
+                <a:cs typeface="+mn-cs"/>
+              </a:defRPr>
+            </a:lvl4pPr>
+            <a:lvl5pPr marL="1828800" algn="l" rtl="0" eaLnBrk="0" fontAlgn="base" hangingPunct="0">
+              <a:spcBef>
+                <a:spcPct val="0"/>
+              </a:spcBef>
+              <a:spcAft>
+                <a:spcPct val="0"/>
+              </a:spcAft>
+              <a:defRPr sz="2400" kern="1200">
+                <a:solidFill>
+                  <a:schemeClr val="tx1"/>
+                </a:solidFill>
+                <a:latin typeface="Times New Roman"/>
+                <a:ea typeface="+mn-ea"/>
+                <a:cs typeface="+mn-cs"/>
+              </a:defRPr>
+            </a:lvl5pPr>
+            <a:lvl6pPr marL="2286000" algn="l" defTabSz="914400" rtl="0" eaLnBrk="1" latinLnBrk="0" hangingPunct="1">
+              <a:defRPr sz="2400" kern="1200">
+                <a:solidFill>
+                  <a:schemeClr val="tx1"/>
+                </a:solidFill>
+                <a:latin typeface="Times New Roman"/>
+                <a:ea typeface="+mn-ea"/>
+                <a:cs typeface="+mn-cs"/>
+              </a:defRPr>
+            </a:lvl6pPr>
+            <a:lvl7pPr marL="2743200" algn="l" defTabSz="914400" rtl="0" eaLnBrk="1" latinLnBrk="0" hangingPunct="1">
+              <a:defRPr sz="2400" kern="1200">
+                <a:solidFill>
+                  <a:schemeClr val="tx1"/>
+                </a:solidFill>
+                <a:latin typeface="Times New Roman"/>
+                <a:ea typeface="+mn-ea"/>
+                <a:cs typeface="+mn-cs"/>
+              </a:defRPr>
+            </a:lvl7pPr>
+            <a:lvl8pPr marL="3200400" algn="l" defTabSz="914400" rtl="0" eaLnBrk="1" latinLnBrk="0" hangingPunct="1">
+              <a:defRPr sz="2400" kern="1200">
+                <a:solidFill>
+                  <a:schemeClr val="tx1"/>
+                </a:solidFill>
+                <a:latin typeface="Times New Roman"/>
+                <a:ea typeface="+mn-ea"/>
+                <a:cs typeface="+mn-cs"/>
+              </a:defRPr>
+            </a:lvl8pPr>
+            <a:lvl9pPr marL="3657600" algn="l" defTabSz="914400" rtl="0" eaLnBrk="1" latinLnBrk="0" hangingPunct="1">
+              <a:defRPr sz="2400" kern="1200">
+                <a:solidFill>
+                  <a:schemeClr val="tx1"/>
+                </a:solidFill>
+                <a:latin typeface="Times New Roman"/>
+                <a:ea typeface="+mn-ea"/>
+                <a:cs typeface="+mn-cs"/>
+              </a:defRPr>
+            </a:lvl9pPr>
+          </a:lstStyle>
+          <a:p>
+            <a:pPr>
+              <a:defRPr/>
+            </a:pPr>
+            <a:endParaRPr lang="en-US" kern="1200" dirty="0"/>
+          </a:p>
+          <a:p>
+            <a:pPr algn="r">
+              <a:defRPr/>
+            </a:pPr>
+            <a:r>
+              <a:rPr lang="en-US" sz="900" kern="1200" dirty="0">
+                <a:latin typeface="Arial Narrow" pitchFamily="34" charset="0"/>
+              </a:rPr>
+              <a:t>Slide </a:t>
+            </a:r>
+            <a:fld id="{5ECE9829-65B2-40C6-AEFF-7C648FF56A9C}" type="slidenum">
+              <a:rPr lang="en-US" sz="900" kern="1200" smtClean="0">
+                <a:latin typeface="Arial Narrow" pitchFamily="34" charset="0"/>
+              </a:rPr>
+              <a:pPr algn="r">
+                <a:defRPr/>
+              </a:pPr>
+              <a:t>6</a:t>
+            </a:fld>
+            <a:endParaRPr lang="en-US" sz="900" kern="1200" dirty="0">
+              <a:latin typeface="Arial Narrow" pitchFamily="34" charset="0"/>
+            </a:endParaRPr>
+          </a:p>
+        </p:txBody>
+      </p:sp>
+    </p:spTree>
+    <p:extLst>
+      <p:ext uri="{BB962C8B-B14F-4D97-AF65-F5344CB8AC3E}">
+        <p14:creationId xmlns:p14="http://schemas.microsoft.com/office/powerpoint/2010/main" val="3702339685"/>
+      </p:ext>
+    </p:extLst>
+  </p:cSld>
+  <p:clrMapOvr>
+    <a:masterClrMapping/>
+  </p:clrMapOvr>
+</p:sld>
+</file>
+
 <file path=ppt/slides/slide7.xml><?xml version="1.0" encoding="utf-8"?>
 <p:sld xmlns:a="http://schemas.openxmlformats.org/drawingml/2006/main" xmlns:r="http://schemas.openxmlformats.org/officeDocument/2006/relationships" xmlns:p="http://schemas.openxmlformats.org/presentationml/2006/main">
   <p:cSld>
@@ -16809,7 +16809,7 @@
           <a:graphicData uri="http://schemas.openxmlformats.org/presentationml/2006/ole">
             <mc:AlternateContent xmlns:mc="http://schemas.openxmlformats.org/markup-compatibility/2006">
               <mc:Choice xmlns:v="urn:schemas-microsoft-com:vml" Requires="v">
-                <p:oleObj spid="_x0000_s2091" name="Document" r:id="rId3" imgW="7349921" imgH="1146715" progId="Word.Document.12">
+                <p:oleObj spid="_x0000_s2093" name="Document" r:id="rId3" imgW="7349921" imgH="1146715" progId="Word.Document.12">
                   <p:embed/>
                 </p:oleObj>
               </mc:Choice>
